--- a/[VSCode] Workspaceを用いて2つのフォルダを同時に使用できる/Pic用.pptx
+++ b/[VSCode] Workspaceを用いて2つのフォルダを同時に使用できる/Pic用.pptx
@@ -111,6 +111,11 @@
       </a:defRPr>
     </a:lvl9pPr>
   </p:defaultTextStyle>
+  <p:extLst>
+    <p:ext uri="{EFAFB233-063F-42B5-8137-9DF3F51BA10A}">
+      <p15:sldGuideLst xmlns:p15="http://schemas.microsoft.com/office/powerpoint/2012/main"/>
+    </p:ext>
+  </p:extLst>
 </p:presentation>
 </file>
 
@@ -261,7 +266,7 @@
           <a:p>
             <a:fld id="{A4C982F5-E15F-4FBF-A716-888675FF6EF5}" type="datetimeFigureOut">
               <a:rPr kumimoji="1" lang="ja-JP" altLang="en-US" smtClean="0"/>
-              <a:t>2025/3/12</a:t>
+              <a:t>2025/3/13</a:t>
             </a:fld>
             <a:endParaRPr kumimoji="1" lang="ja-JP" altLang="en-US"/>
           </a:p>
@@ -491,7 +496,7 @@
           <a:p>
             <a:fld id="{A4C982F5-E15F-4FBF-A716-888675FF6EF5}" type="datetimeFigureOut">
               <a:rPr kumimoji="1" lang="ja-JP" altLang="en-US" smtClean="0"/>
-              <a:t>2025/3/12</a:t>
+              <a:t>2025/3/13</a:t>
             </a:fld>
             <a:endParaRPr kumimoji="1" lang="ja-JP" altLang="en-US"/>
           </a:p>
@@ -731,7 +736,7 @@
           <a:p>
             <a:fld id="{A4C982F5-E15F-4FBF-A716-888675FF6EF5}" type="datetimeFigureOut">
               <a:rPr kumimoji="1" lang="ja-JP" altLang="en-US" smtClean="0"/>
-              <a:t>2025/3/12</a:t>
+              <a:t>2025/3/13</a:t>
             </a:fld>
             <a:endParaRPr kumimoji="1" lang="ja-JP" altLang="en-US"/>
           </a:p>
@@ -961,7 +966,7 @@
           <a:p>
             <a:fld id="{A4C982F5-E15F-4FBF-A716-888675FF6EF5}" type="datetimeFigureOut">
               <a:rPr kumimoji="1" lang="ja-JP" altLang="en-US" smtClean="0"/>
-              <a:t>2025/3/12</a:t>
+              <a:t>2025/3/13</a:t>
             </a:fld>
             <a:endParaRPr kumimoji="1" lang="ja-JP" altLang="en-US"/>
           </a:p>
@@ -1236,7 +1241,7 @@
           <a:p>
             <a:fld id="{A4C982F5-E15F-4FBF-A716-888675FF6EF5}" type="datetimeFigureOut">
               <a:rPr kumimoji="1" lang="ja-JP" altLang="en-US" smtClean="0"/>
-              <a:t>2025/3/12</a:t>
+              <a:t>2025/3/13</a:t>
             </a:fld>
             <a:endParaRPr kumimoji="1" lang="ja-JP" altLang="en-US"/>
           </a:p>
@@ -1565,7 +1570,7 @@
           <a:p>
             <a:fld id="{A4C982F5-E15F-4FBF-A716-888675FF6EF5}" type="datetimeFigureOut">
               <a:rPr kumimoji="1" lang="ja-JP" altLang="en-US" smtClean="0"/>
-              <a:t>2025/3/12</a:t>
+              <a:t>2025/3/13</a:t>
             </a:fld>
             <a:endParaRPr kumimoji="1" lang="ja-JP" altLang="en-US"/>
           </a:p>
@@ -2041,7 +2046,7 @@
           <a:p>
             <a:fld id="{A4C982F5-E15F-4FBF-A716-888675FF6EF5}" type="datetimeFigureOut">
               <a:rPr kumimoji="1" lang="ja-JP" altLang="en-US" smtClean="0"/>
-              <a:t>2025/3/12</a:t>
+              <a:t>2025/3/13</a:t>
             </a:fld>
             <a:endParaRPr kumimoji="1" lang="ja-JP" altLang="en-US"/>
           </a:p>
@@ -2182,7 +2187,7 @@
           <a:p>
             <a:fld id="{A4C982F5-E15F-4FBF-A716-888675FF6EF5}" type="datetimeFigureOut">
               <a:rPr kumimoji="1" lang="ja-JP" altLang="en-US" smtClean="0"/>
-              <a:t>2025/3/12</a:t>
+              <a:t>2025/3/13</a:t>
             </a:fld>
             <a:endParaRPr kumimoji="1" lang="ja-JP" altLang="en-US"/>
           </a:p>
@@ -2295,7 +2300,7 @@
           <a:p>
             <a:fld id="{A4C982F5-E15F-4FBF-A716-888675FF6EF5}" type="datetimeFigureOut">
               <a:rPr kumimoji="1" lang="ja-JP" altLang="en-US" smtClean="0"/>
-              <a:t>2025/3/12</a:t>
+              <a:t>2025/3/13</a:t>
             </a:fld>
             <a:endParaRPr kumimoji="1" lang="ja-JP" altLang="en-US"/>
           </a:p>
@@ -2638,7 +2643,7 @@
           <a:p>
             <a:fld id="{A4C982F5-E15F-4FBF-A716-888675FF6EF5}" type="datetimeFigureOut">
               <a:rPr kumimoji="1" lang="ja-JP" altLang="en-US" smtClean="0"/>
-              <a:t>2025/3/12</a:t>
+              <a:t>2025/3/13</a:t>
             </a:fld>
             <a:endParaRPr kumimoji="1" lang="ja-JP" altLang="en-US"/>
           </a:p>
@@ -2926,7 +2931,7 @@
           <a:p>
             <a:fld id="{A4C982F5-E15F-4FBF-A716-888675FF6EF5}" type="datetimeFigureOut">
               <a:rPr kumimoji="1" lang="ja-JP" altLang="en-US" smtClean="0"/>
-              <a:t>2025/3/12</a:t>
+              <a:t>2025/3/13</a:t>
             </a:fld>
             <a:endParaRPr kumimoji="1" lang="ja-JP" altLang="en-US"/>
           </a:p>
@@ -3199,7 +3204,7 @@
           <a:p>
             <a:fld id="{A4C982F5-E15F-4FBF-A716-888675FF6EF5}" type="datetimeFigureOut">
               <a:rPr kumimoji="1" lang="ja-JP" altLang="en-US" smtClean="0"/>
-              <a:t>2025/3/12</a:t>
+              <a:t>2025/3/13</a:t>
             </a:fld>
             <a:endParaRPr kumimoji="1" lang="ja-JP" altLang="en-US"/>
           </a:p>
